--- a/ReportsAndPresentations/Midterm Defense.pptx
+++ b/ReportsAndPresentations/Midterm Defense.pptx
@@ -10990,7 +10990,7 @@
         </p:blipFill>
         <p:spPr>
           <a:xfrm>
-            <a:off x="-116116" y="0"/>
+            <a:off x="-108859" y="94432"/>
             <a:ext cx="9488663" cy="4586022"/>
           </a:xfrm>
           <a:prstGeom prst="rect">
@@ -11203,7 +11203,7 @@
         </p:blipFill>
         <p:spPr>
           <a:xfrm>
-            <a:off x="0" y="17473"/>
+            <a:off x="0" y="169873"/>
             <a:ext cx="9144000" cy="4414510"/>
           </a:xfrm>
           <a:prstGeom prst="rect">
@@ -12103,10 +12103,10 @@
               <a:buNone/>
             </a:pPr>
             <a:r>
-              <a:rPr lang="en"/>
+              <a:rPr lang="en" dirty="0"/>
               <a:t>References</a:t>
             </a:r>
-            <a:endParaRPr/>
+            <a:endParaRPr dirty="0"/>
           </a:p>
         </p:txBody>
       </p:sp>
@@ -12131,46 +12131,33 @@
         </p:spPr>
         <p:txBody>
           <a:bodyPr spcFirstLastPara="1" wrap="square" lIns="91425" tIns="91425" rIns="91425" bIns="91425" anchor="t" anchorCtr="0">
-            <a:normAutofit/>
+            <a:normAutofit fontScale="85000" lnSpcReduction="10000"/>
           </a:bodyPr>
           <a:lstStyle/>
           <a:p>
+            <a:pPr marL="114300" indent="0">
+              <a:buNone/>
+            </a:pPr>
             <a:r>
               <a:rPr lang="en-US" dirty="0"/>
-              <a:t> Shaheen, A., Azam, F., &amp; Irshad, K. (2021, October). Anonymous Feedback: A real-time feedback to capture students’ engagement in learning process. In </a:t>
+              <a:t>[1] Shaheen, A., Azam, F., &amp; Irshad, K. (2021). Anonymous Feedback: A Real-time Feedback to Capture Students' Engagement in Learning Process. </a:t>
             </a:r>
             <a:r>
               <a:rPr lang="en-US" i="1" dirty="0"/>
-              <a:t>International Conference on Medical Education (ICME 2021)</a:t>
+              <a:t>Proceedings of the International Conference on Medical Education (ICME 2021)</a:t>
             </a:r>
             <a:r>
               <a:rPr lang="en-US" dirty="0"/>
-              <a:t> (pp. 65-68). Atlantis Press.</a:t>
+              <a:t>, 65–68.</a:t>
             </a:r>
           </a:p>
           <a:p>
-            <a:endParaRPr lang="en-US" dirty="0"/>
-          </a:p>
-          <a:p>
+            <a:pPr marL="114300" indent="0">
+              <a:buNone/>
+            </a:pPr>
             <a:r>
               <a:rPr lang="en-US" dirty="0"/>
-              <a:t> Frampton, A., Fox, F., Hollowood, A., </a:t>
-            </a:r>
-            <a:r>
-              <a:rPr lang="en-US" dirty="0" err="1"/>
-              <a:t>Northstone</a:t>
-            </a:r>
-            <a:r>
-              <a:rPr lang="en-US" dirty="0"/>
-              <a:t>, K., </a:t>
-            </a:r>
-            <a:r>
-              <a:rPr lang="en-US" dirty="0" err="1"/>
-              <a:t>Margelyte</a:t>
-            </a:r>
-            <a:r>
-              <a:rPr lang="en-US" dirty="0"/>
-              <a:t>, R., Smith-Clarke, S., &amp; Redwood, S. (2017). Using real-time, anonymous staff feedback to improve staff experience and engagement. </a:t>
+              <a:t>[2] Frampton, A., Fox, F., Hollowood, A., et al. (2017). Using real-time, anonymous staff feedback to improve staff experience and engagement. </a:t>
             </a:r>
             <a:r>
               <a:rPr lang="en-US" i="1" dirty="0"/>
@@ -12178,29 +12165,115 @@
             </a:r>
             <a:r>
               <a:rPr lang="en-US" dirty="0"/>
+              <a:t>,</a:t>
+            </a:r>
+          </a:p>
+          <a:p>
+            <a:pPr marL="114300" indent="0">
+              <a:buNone/>
+            </a:pPr>
+            <a:r>
+              <a:rPr lang="en-US" dirty="0"/>
+              <a:t>[3] Harrison, C. J., </a:t>
+            </a:r>
+            <a:r>
+              <a:rPr lang="en-US" dirty="0" err="1"/>
+              <a:t>Könings</a:t>
+            </a:r>
+            <a:r>
+              <a:rPr lang="en-US" dirty="0"/>
+              <a:t>, K. D., Molyneux, A., </a:t>
+            </a:r>
+            <a:r>
+              <a:rPr lang="en-US" dirty="0" err="1"/>
+              <a:t>Schuwirth</a:t>
+            </a:r>
+            <a:r>
+              <a:rPr lang="en-US" dirty="0"/>
+              <a:t>, L. W., Wass, V., &amp; van der Vleuten, C. P. (2013). Web‐based feedback after summative assessment: how do students engage?. </a:t>
+            </a:r>
+            <a:r>
+              <a:rPr lang="en-US" i="1" dirty="0"/>
+              <a:t>Medical education</a:t>
+            </a:r>
+            <a:r>
+              <a:rPr lang="en-US" dirty="0"/>
               <a:t>, </a:t>
             </a:r>
             <a:r>
               <a:rPr lang="en-US" i="1" dirty="0"/>
-              <a:t>6</a:t>
+              <a:t>47</a:t>
             </a:r>
             <a:r>
               <a:rPr lang="en-US" dirty="0"/>
-              <a:t>(1).</a:t>
+              <a:t>(7), 734-744. </a:t>
             </a:r>
           </a:p>
           <a:p>
-            <a:pPr marL="457200" lvl="0" indent="-342900" algn="l" rtl="0">
-              <a:spcBef>
-                <a:spcPts val="0"/>
-              </a:spcBef>
-              <a:spcAft>
-                <a:spcPts val="0"/>
-              </a:spcAft>
-              <a:buSzPts val="1800"/>
-              <a:buChar char="●"/>
+            <a:pPr marL="114300" indent="0">
+              <a:buNone/>
             </a:pPr>
-            <a:endParaRPr dirty="0"/>
+            <a:r>
+              <a:rPr lang="en-US" dirty="0"/>
+              <a:t>[4] van Kol, S., &amp; Rietz, C. (2016). Effects of Web-Based Feedback on Students' Learning. </a:t>
+            </a:r>
+            <a:r>
+              <a:rPr lang="en-US" i="1" dirty="0"/>
+              <a:t>International Journal of Teaching and Learning in Higher Education</a:t>
+            </a:r>
+            <a:r>
+              <a:rPr lang="en-US" dirty="0"/>
+              <a:t>, </a:t>
+            </a:r>
+            <a:r>
+              <a:rPr lang="en-US" i="1" dirty="0"/>
+              <a:t>28</a:t>
+            </a:r>
+            <a:r>
+              <a:rPr lang="en-US" dirty="0"/>
+              <a:t>(3), 385-394.</a:t>
+            </a:r>
+          </a:p>
+          <a:p>
+            <a:pPr marL="114300" indent="0">
+              <a:buNone/>
+            </a:pPr>
+            <a:r>
+              <a:rPr lang="en-US" dirty="0"/>
+              <a:t>[5] </a:t>
+            </a:r>
+            <a:r>
+              <a:rPr lang="en-US" dirty="0" err="1"/>
+              <a:t>Golchevskiy</a:t>
+            </a:r>
+            <a:r>
+              <a:rPr lang="en-US" dirty="0"/>
+              <a:t>, Y., &amp; </a:t>
+            </a:r>
+            <a:r>
+              <a:rPr lang="en-US" dirty="0" err="1"/>
+              <a:t>Yermolenko</a:t>
+            </a:r>
+            <a:r>
+              <a:rPr lang="en-US" dirty="0"/>
+              <a:t>, A. (2021). Implementation of Feedback as an Important Element of Modern Corporate Websites. </a:t>
+            </a:r>
+            <a:r>
+              <a:rPr lang="en-US" i="1" dirty="0"/>
+              <a:t>Journal of Information and Organizational Sciences</a:t>
+            </a:r>
+            <a:r>
+              <a:rPr lang="en-US" dirty="0"/>
+              <a:t>, </a:t>
+            </a:r>
+            <a:r>
+              <a:rPr lang="en-US" i="1" dirty="0"/>
+              <a:t>45</a:t>
+            </a:r>
+            <a:r>
+              <a:rPr lang="en-US" dirty="0"/>
+              <a:t>(2), 399-409.</a:t>
+            </a:r>
           </a:p>
         </p:txBody>
       </p:sp>
